--- a/ppt/Movielens 27m presentation.pptx
+++ b/ppt/Movielens 27m presentation.pptx
@@ -13,6 +13,11 @@
     <p:sldId id="260" r:id="rId7"/>
     <p:sldId id="262" r:id="rId8"/>
     <p:sldId id="263" r:id="rId9"/>
+    <p:sldId id="265" r:id="rId10"/>
+    <p:sldId id="264" r:id="rId11"/>
+    <p:sldId id="266" r:id="rId12"/>
+    <p:sldId id="267" r:id="rId13"/>
+    <p:sldId id="268" r:id="rId14"/>
   </p:sldIdLst>
   <p:sldSz cx="12192000" cy="6858000"/>
   <p:notesSz cx="6858000" cy="9144000"/>
@@ -111,6 +116,11 @@
       </a:defRPr>
     </a:lvl9pPr>
   </p:defaultTextStyle>
+  <p:extLst>
+    <p:ext uri="{EFAFB233-063F-42B5-8137-9DF3F51BA10A}">
+      <p15:sldGuideLst xmlns:p15="http://schemas.microsoft.com/office/powerpoint/2012/main"/>
+    </p:ext>
+  </p:extLst>
 </p:presentation>
 </file>
 
@@ -6421,6 +6431,698 @@
 </p:sld>
 </file>
 
+<file path=ppt/slides/slide10.xml><?xml version="1.0" encoding="utf-8"?>
+<p:sld xmlns:a="http://schemas.openxmlformats.org/drawingml/2006/main" xmlns:r="http://schemas.openxmlformats.org/officeDocument/2006/relationships" xmlns:p="http://schemas.openxmlformats.org/presentationml/2006/main">
+  <p:cSld>
+    <p:spTree>
+      <p:nvGrpSpPr>
+        <p:cNvPr id="1" name=""/>
+        <p:cNvGrpSpPr/>
+        <p:nvPr/>
+      </p:nvGrpSpPr>
+      <p:grpSpPr>
+        <a:xfrm>
+          <a:off x="0" y="0"/>
+          <a:ext cx="0" cy="0"/>
+          <a:chOff x="0" y="0"/>
+          <a:chExt cx="0" cy="0"/>
+        </a:xfrm>
+      </p:grpSpPr>
+      <p:sp>
+        <p:nvSpPr>
+          <p:cNvPr id="2" name="Title 1">
+            <a:extLst>
+              <a:ext uri="{FF2B5EF4-FFF2-40B4-BE49-F238E27FC236}">
+                <a16:creationId xmlns:a16="http://schemas.microsoft.com/office/drawing/2014/main" id="{B28268F9-511E-4B70-89DB-732DC337F67C}"/>
+              </a:ext>
+            </a:extLst>
+          </p:cNvPr>
+          <p:cNvSpPr>
+            <a:spLocks noGrp="1"/>
+          </p:cNvSpPr>
+          <p:nvPr>
+            <p:ph type="title"/>
+          </p:nvPr>
+        </p:nvSpPr>
+        <p:spPr/>
+        <p:txBody>
+          <a:bodyPr/>
+          <a:lstStyle/>
+          <a:p>
+            <a:r>
+              <a:rPr lang="en-GB" dirty="0"/>
+              <a:t>STEP 3.1</a:t>
+            </a:r>
+            <a:br>
+              <a:rPr lang="en-GB" dirty="0"/>
+            </a:br>
+            <a:r>
+              <a:rPr lang="en-GB" dirty="0"/>
+              <a:t>Hive ODBC Connection</a:t>
+            </a:r>
+          </a:p>
+        </p:txBody>
+      </p:sp>
+      <p:pic>
+        <p:nvPicPr>
+          <p:cNvPr id="4" name="Content Placeholder 3">
+            <a:extLst>
+              <a:ext uri="{FF2B5EF4-FFF2-40B4-BE49-F238E27FC236}">
+                <a16:creationId xmlns:a16="http://schemas.microsoft.com/office/drawing/2014/main" id="{D02DD86F-3D5E-4253-8297-2E2A5805F215}"/>
+              </a:ext>
+            </a:extLst>
+          </p:cNvPr>
+          <p:cNvPicPr>
+            <a:picLocks noGrp="1" noChangeAspect="1"/>
+          </p:cNvPicPr>
+          <p:nvPr>
+            <p:ph idx="1"/>
+          </p:nvPr>
+        </p:nvPicPr>
+        <p:blipFill>
+          <a:blip r:embed="rId2"/>
+          <a:stretch>
+            <a:fillRect/>
+          </a:stretch>
+        </p:blipFill>
+        <p:spPr>
+          <a:xfrm>
+            <a:off x="7082096" y="2994991"/>
+            <a:ext cx="4066995" cy="2882500"/>
+          </a:xfrm>
+          <a:prstGeom prst="rect">
+            <a:avLst/>
+          </a:prstGeom>
+        </p:spPr>
+      </p:pic>
+      <p:pic>
+        <p:nvPicPr>
+          <p:cNvPr id="5" name="Picture 4">
+            <a:extLst>
+              <a:ext uri="{FF2B5EF4-FFF2-40B4-BE49-F238E27FC236}">
+                <a16:creationId xmlns:a16="http://schemas.microsoft.com/office/drawing/2014/main" id="{706D38D3-1745-40CB-AEF4-D30D3E3A8B5B}"/>
+              </a:ext>
+            </a:extLst>
+          </p:cNvPr>
+          <p:cNvPicPr>
+            <a:picLocks noChangeAspect="1"/>
+          </p:cNvPicPr>
+          <p:nvPr/>
+        </p:nvPicPr>
+        <p:blipFill rotWithShape="1">
+          <a:blip r:embed="rId3"/>
+          <a:srcRect l="31385" t="17795" r="17269" b="41285"/>
+          <a:stretch/>
+        </p:blipFill>
+        <p:spPr>
+          <a:xfrm>
+            <a:off x="7726832" y="1581866"/>
+            <a:ext cx="2777521" cy="1179667"/>
+          </a:xfrm>
+          <a:prstGeom prst="rect">
+            <a:avLst/>
+          </a:prstGeom>
+        </p:spPr>
+      </p:pic>
+      <p:sp>
+        <p:nvSpPr>
+          <p:cNvPr id="6" name="TextBox 5">
+            <a:extLst>
+              <a:ext uri="{FF2B5EF4-FFF2-40B4-BE49-F238E27FC236}">
+                <a16:creationId xmlns:a16="http://schemas.microsoft.com/office/drawing/2014/main" id="{6637B0D8-5227-496C-8AFA-7516E9086ECD}"/>
+              </a:ext>
+            </a:extLst>
+          </p:cNvPr>
+          <p:cNvSpPr txBox="1"/>
+          <p:nvPr/>
+        </p:nvSpPr>
+        <p:spPr>
+          <a:xfrm>
+            <a:off x="1371600" y="2411896"/>
+            <a:ext cx="5242049" cy="1200329"/>
+          </a:xfrm>
+          <a:prstGeom prst="rect">
+            <a:avLst/>
+          </a:prstGeom>
+          <a:noFill/>
+        </p:spPr>
+        <p:txBody>
+          <a:bodyPr wrap="square" rtlCol="0">
+            <a:spAutoFit/>
+          </a:bodyPr>
+          <a:lstStyle/>
+          <a:p>
+            <a:r>
+              <a:rPr lang="en-GB" dirty="0"/>
+              <a:t>3.1.1 – Download and install HDP ODBC driver</a:t>
+            </a:r>
+          </a:p>
+          <a:p>
+            <a:r>
+              <a:rPr lang="en-GB" dirty="0"/>
+              <a:t>3.1.2 – Check if ODBC driver is available in our system</a:t>
+            </a:r>
+          </a:p>
+          <a:p>
+            <a:r>
+              <a:rPr lang="en-GB" dirty="0"/>
+              <a:t>3.1.3 – Use the Hive connector in Power BI</a:t>
+            </a:r>
+          </a:p>
+        </p:txBody>
+      </p:sp>
+    </p:spTree>
+    <p:extLst>
+      <p:ext uri="{BB962C8B-B14F-4D97-AF65-F5344CB8AC3E}">
+        <p14:creationId xmlns:p14="http://schemas.microsoft.com/office/powerpoint/2010/main" val="4035830526"/>
+      </p:ext>
+    </p:extLst>
+  </p:cSld>
+  <p:clrMapOvr>
+    <a:masterClrMapping/>
+  </p:clrMapOvr>
+</p:sld>
+</file>
+
+<file path=ppt/slides/slide11.xml><?xml version="1.0" encoding="utf-8"?>
+<p:sld xmlns:a="http://schemas.openxmlformats.org/drawingml/2006/main" xmlns:r="http://schemas.openxmlformats.org/officeDocument/2006/relationships" xmlns:p="http://schemas.openxmlformats.org/presentationml/2006/main">
+  <p:cSld>
+    <p:spTree>
+      <p:nvGrpSpPr>
+        <p:cNvPr id="1" name=""/>
+        <p:cNvGrpSpPr/>
+        <p:nvPr/>
+      </p:nvGrpSpPr>
+      <p:grpSpPr>
+        <a:xfrm>
+          <a:off x="0" y="0"/>
+          <a:ext cx="0" cy="0"/>
+          <a:chOff x="0" y="0"/>
+          <a:chExt cx="0" cy="0"/>
+        </a:xfrm>
+      </p:grpSpPr>
+      <p:sp>
+        <p:nvSpPr>
+          <p:cNvPr id="2" name="Title 1">
+            <a:extLst>
+              <a:ext uri="{FF2B5EF4-FFF2-40B4-BE49-F238E27FC236}">
+                <a16:creationId xmlns:a16="http://schemas.microsoft.com/office/drawing/2014/main" id="{B28268F9-511E-4B70-89DB-732DC337F67C}"/>
+              </a:ext>
+            </a:extLst>
+          </p:cNvPr>
+          <p:cNvSpPr>
+            <a:spLocks noGrp="1"/>
+          </p:cNvSpPr>
+          <p:nvPr>
+            <p:ph type="title"/>
+          </p:nvPr>
+        </p:nvSpPr>
+        <p:spPr/>
+        <p:txBody>
+          <a:bodyPr/>
+          <a:lstStyle/>
+          <a:p>
+            <a:r>
+              <a:rPr lang="en-GB" dirty="0"/>
+              <a:t>STEP 3.2</a:t>
+            </a:r>
+            <a:br>
+              <a:rPr lang="en-GB" dirty="0"/>
+            </a:br>
+            <a:r>
+              <a:rPr lang="en-GB" dirty="0"/>
+              <a:t>Azure ML Model</a:t>
+            </a:r>
+          </a:p>
+        </p:txBody>
+      </p:sp>
+      <p:pic>
+        <p:nvPicPr>
+          <p:cNvPr id="7" name="Picture 6">
+            <a:extLst>
+              <a:ext uri="{FF2B5EF4-FFF2-40B4-BE49-F238E27FC236}">
+                <a16:creationId xmlns:a16="http://schemas.microsoft.com/office/drawing/2014/main" id="{FFEAA7E0-5934-4377-8C4C-54042536295E}"/>
+              </a:ext>
+            </a:extLst>
+          </p:cNvPr>
+          <p:cNvPicPr>
+            <a:picLocks noChangeAspect="1"/>
+          </p:cNvPicPr>
+          <p:nvPr/>
+        </p:nvPicPr>
+        <p:blipFill rotWithShape="1">
+          <a:blip r:embed="rId2"/>
+          <a:srcRect l="62308" t="23167" r="2500" b="15881"/>
+          <a:stretch/>
+        </p:blipFill>
+        <p:spPr>
+          <a:xfrm>
+            <a:off x="6344530" y="812547"/>
+            <a:ext cx="5373858" cy="5232905"/>
+          </a:xfrm>
+          <a:prstGeom prst="rect">
+            <a:avLst/>
+          </a:prstGeom>
+        </p:spPr>
+      </p:pic>
+      <p:sp>
+        <p:nvSpPr>
+          <p:cNvPr id="8" name="TextBox 7">
+            <a:extLst>
+              <a:ext uri="{FF2B5EF4-FFF2-40B4-BE49-F238E27FC236}">
+                <a16:creationId xmlns:a16="http://schemas.microsoft.com/office/drawing/2014/main" id="{D82E0E84-4ACC-42E7-B839-7A6998367DCA}"/>
+              </a:ext>
+            </a:extLst>
+          </p:cNvPr>
+          <p:cNvSpPr txBox="1"/>
+          <p:nvPr/>
+        </p:nvSpPr>
+        <p:spPr>
+          <a:xfrm>
+            <a:off x="1371600" y="2411896"/>
+            <a:ext cx="4475871" cy="1754326"/>
+          </a:xfrm>
+          <a:prstGeom prst="rect">
+            <a:avLst/>
+          </a:prstGeom>
+          <a:noFill/>
+        </p:spPr>
+        <p:txBody>
+          <a:bodyPr wrap="square" rtlCol="0">
+            <a:spAutoFit/>
+          </a:bodyPr>
+          <a:lstStyle/>
+          <a:p>
+            <a:r>
+              <a:rPr lang="en-GB" dirty="0"/>
+              <a:t>3.2.1 – Upload dataset to Azure ML</a:t>
+            </a:r>
+          </a:p>
+          <a:p>
+            <a:r>
+              <a:rPr lang="en-GB" dirty="0"/>
+              <a:t>3.2.2 – Create a Matchbox recommender model</a:t>
+            </a:r>
+          </a:p>
+          <a:p>
+            <a:r>
+              <a:rPr lang="en-GB" dirty="0"/>
+              <a:t>3.2.3 – Save as a web service (see image)</a:t>
+            </a:r>
+          </a:p>
+          <a:p>
+            <a:r>
+              <a:rPr lang="en-GB" dirty="0"/>
+              <a:t>3.2.4 – Use and adapt generated REST R code</a:t>
+            </a:r>
+          </a:p>
+        </p:txBody>
+      </p:sp>
+    </p:spTree>
+    <p:extLst>
+      <p:ext uri="{BB962C8B-B14F-4D97-AF65-F5344CB8AC3E}">
+        <p14:creationId xmlns:p14="http://schemas.microsoft.com/office/powerpoint/2010/main" val="3450025308"/>
+      </p:ext>
+    </p:extLst>
+  </p:cSld>
+  <p:clrMapOvr>
+    <a:masterClrMapping/>
+  </p:clrMapOvr>
+</p:sld>
+</file>
+
+<file path=ppt/slides/slide12.xml><?xml version="1.0" encoding="utf-8"?>
+<p:sld xmlns:a="http://schemas.openxmlformats.org/drawingml/2006/main" xmlns:r="http://schemas.openxmlformats.org/officeDocument/2006/relationships" xmlns:p="http://schemas.openxmlformats.org/presentationml/2006/main">
+  <p:cSld>
+    <p:spTree>
+      <p:nvGrpSpPr>
+        <p:cNvPr id="1" name=""/>
+        <p:cNvGrpSpPr/>
+        <p:nvPr/>
+      </p:nvGrpSpPr>
+      <p:grpSpPr>
+        <a:xfrm>
+          <a:off x="0" y="0"/>
+          <a:ext cx="0" cy="0"/>
+          <a:chOff x="0" y="0"/>
+          <a:chExt cx="0" cy="0"/>
+        </a:xfrm>
+      </p:grpSpPr>
+      <p:sp>
+        <p:nvSpPr>
+          <p:cNvPr id="2" name="Title 1">
+            <a:extLst>
+              <a:ext uri="{FF2B5EF4-FFF2-40B4-BE49-F238E27FC236}">
+                <a16:creationId xmlns:a16="http://schemas.microsoft.com/office/drawing/2014/main" id="{BFC537E1-C28C-4A6F-AD01-61A0FDF36D3E}"/>
+              </a:ext>
+            </a:extLst>
+          </p:cNvPr>
+          <p:cNvSpPr>
+            <a:spLocks noGrp="1"/>
+          </p:cNvSpPr>
+          <p:nvPr>
+            <p:ph type="title"/>
+          </p:nvPr>
+        </p:nvSpPr>
+        <p:spPr/>
+        <p:txBody>
+          <a:bodyPr/>
+          <a:lstStyle/>
+          <a:p>
+            <a:r>
+              <a:rPr lang="en-GB" dirty="0"/>
+              <a:t>STEP 3.3</a:t>
+            </a:r>
+            <a:br>
+              <a:rPr lang="en-GB" dirty="0"/>
+            </a:br>
+            <a:r>
+              <a:rPr lang="en-GB" dirty="0"/>
+              <a:t>Power BI </a:t>
+            </a:r>
+            <a:r>
+              <a:rPr lang="en-GB" dirty="0">
+                <a:sym typeface="Wingdings" panose="05000000000000000000" pitchFamily="2" charset="2"/>
+              </a:rPr>
+              <a:t></a:t>
+            </a:r>
+            <a:r>
+              <a:rPr lang="en-GB" dirty="0"/>
+              <a:t> Azure ML</a:t>
+            </a:r>
+          </a:p>
+        </p:txBody>
+      </p:sp>
+      <p:sp>
+        <p:nvSpPr>
+          <p:cNvPr id="3" name="Content Placeholder 2">
+            <a:extLst>
+              <a:ext uri="{FF2B5EF4-FFF2-40B4-BE49-F238E27FC236}">
+                <a16:creationId xmlns:a16="http://schemas.microsoft.com/office/drawing/2014/main" id="{734A45F0-EF03-4C22-BD96-793746C90783}"/>
+              </a:ext>
+            </a:extLst>
+          </p:cNvPr>
+          <p:cNvSpPr>
+            <a:spLocks noGrp="1"/>
+          </p:cNvSpPr>
+          <p:nvPr>
+            <p:ph idx="1"/>
+          </p:nvPr>
+        </p:nvSpPr>
+        <p:spPr>
+          <a:xfrm>
+            <a:off x="1371600" y="2286000"/>
+            <a:ext cx="5002696" cy="2068964"/>
+          </a:xfrm>
+          <a:noFill/>
+        </p:spPr>
+        <p:txBody>
+          <a:bodyPr wrap="square" rtlCol="0">
+            <a:spAutoFit/>
+          </a:bodyPr>
+          <a:lstStyle/>
+          <a:p>
+            <a:pPr marL="0" indent="0" defTabSz="457200">
+              <a:buNone/>
+            </a:pPr>
+            <a:r>
+              <a:rPr lang="en-GB" sz="1800" dirty="0">
+                <a:solidFill>
+                  <a:schemeClr val="tx1"/>
+                </a:solidFill>
+              </a:rPr>
+              <a:t>3.3.1 – Get data from Hive</a:t>
+            </a:r>
+            <a:br>
+              <a:rPr lang="en-GB" sz="1800" dirty="0">
+                <a:solidFill>
+                  <a:schemeClr val="tx1"/>
+                </a:solidFill>
+              </a:rPr>
+            </a:br>
+            <a:r>
+              <a:rPr lang="en-GB" sz="1800" dirty="0">
+                <a:solidFill>
+                  <a:schemeClr val="tx1"/>
+                </a:solidFill>
+              </a:rPr>
+              <a:t>3.3.2 – Duplicate the table in Power BI Query Editor</a:t>
+            </a:r>
+            <a:br>
+              <a:rPr lang="en-GB" sz="1800" dirty="0">
+                <a:solidFill>
+                  <a:schemeClr val="tx1"/>
+                </a:solidFill>
+              </a:rPr>
+            </a:br>
+            <a:r>
+              <a:rPr lang="en-GB" sz="1800" dirty="0">
+                <a:solidFill>
+                  <a:schemeClr val="tx1"/>
+                </a:solidFill>
+              </a:rPr>
+              <a:t>3.3.3 – Develop and test our R script in </a:t>
+            </a:r>
+            <a:r>
+              <a:rPr lang="en-GB" sz="1800" dirty="0" err="1">
+                <a:solidFill>
+                  <a:schemeClr val="tx1"/>
+                </a:solidFill>
+              </a:rPr>
+              <a:t>Rstudio</a:t>
+            </a:r>
+            <a:br>
+              <a:rPr lang="en-GB" sz="1800" dirty="0">
+                <a:solidFill>
+                  <a:schemeClr val="tx1"/>
+                </a:solidFill>
+              </a:rPr>
+            </a:br>
+            <a:r>
+              <a:rPr lang="en-GB" sz="1800" dirty="0">
+                <a:solidFill>
+                  <a:schemeClr val="tx1"/>
+                </a:solidFill>
+              </a:rPr>
+              <a:t>3.3.4 – Deploy the R Custom Script in Power BI Query Editor</a:t>
+            </a:r>
+          </a:p>
+          <a:p>
+            <a:pPr marL="0" defTabSz="457200"/>
+            <a:endParaRPr lang="en-GB" sz="1800" dirty="0">
+              <a:solidFill>
+                <a:schemeClr val="tx1"/>
+              </a:solidFill>
+            </a:endParaRPr>
+          </a:p>
+        </p:txBody>
+      </p:sp>
+      <p:pic>
+        <p:nvPicPr>
+          <p:cNvPr id="4" name="Picture 3">
+            <a:extLst>
+              <a:ext uri="{FF2B5EF4-FFF2-40B4-BE49-F238E27FC236}">
+                <a16:creationId xmlns:a16="http://schemas.microsoft.com/office/drawing/2014/main" id="{13CF6632-8BE6-4BB6-9E0B-5DECFBC5AB00}"/>
+              </a:ext>
+            </a:extLst>
+          </p:cNvPr>
+          <p:cNvPicPr>
+            <a:picLocks noChangeAspect="1"/>
+          </p:cNvPicPr>
+          <p:nvPr/>
+        </p:nvPicPr>
+        <p:blipFill>
+          <a:blip r:embed="rId2"/>
+          <a:stretch>
+            <a:fillRect/>
+          </a:stretch>
+        </p:blipFill>
+        <p:spPr>
+          <a:xfrm>
+            <a:off x="6833699" y="2876395"/>
+            <a:ext cx="5004044" cy="2991005"/>
+          </a:xfrm>
+          <a:prstGeom prst="rect">
+            <a:avLst/>
+          </a:prstGeom>
+        </p:spPr>
+      </p:pic>
+      <p:pic>
+        <p:nvPicPr>
+          <p:cNvPr id="5" name="Picture 4">
+            <a:extLst>
+              <a:ext uri="{FF2B5EF4-FFF2-40B4-BE49-F238E27FC236}">
+                <a16:creationId xmlns:a16="http://schemas.microsoft.com/office/drawing/2014/main" id="{7224FA87-9771-49AB-B880-A8A02951E1C4}"/>
+              </a:ext>
+            </a:extLst>
+          </p:cNvPr>
+          <p:cNvPicPr>
+            <a:picLocks noChangeAspect="1"/>
+          </p:cNvPicPr>
+          <p:nvPr/>
+        </p:nvPicPr>
+        <p:blipFill rotWithShape="1">
+          <a:blip r:embed="rId3"/>
+          <a:srcRect l="64385" t="6022" r="10000" b="81123"/>
+          <a:stretch/>
+        </p:blipFill>
+        <p:spPr>
+          <a:xfrm>
+            <a:off x="7774207" y="1718604"/>
+            <a:ext cx="3123028" cy="835269"/>
+          </a:xfrm>
+          <a:prstGeom prst="rect">
+            <a:avLst/>
+          </a:prstGeom>
+        </p:spPr>
+      </p:pic>
+      <p:sp>
+        <p:nvSpPr>
+          <p:cNvPr id="6" name="Rectangle 5">
+            <a:extLst>
+              <a:ext uri="{FF2B5EF4-FFF2-40B4-BE49-F238E27FC236}">
+                <a16:creationId xmlns:a16="http://schemas.microsoft.com/office/drawing/2014/main" id="{0EFAA9AD-7051-4996-A396-6CA8198A06AE}"/>
+              </a:ext>
+            </a:extLst>
+          </p:cNvPr>
+          <p:cNvSpPr/>
+          <p:nvPr/>
+        </p:nvSpPr>
+        <p:spPr>
+          <a:xfrm>
+            <a:off x="9805182" y="1718604"/>
+            <a:ext cx="407963" cy="775618"/>
+          </a:xfrm>
+          <a:prstGeom prst="rect">
+            <a:avLst/>
+          </a:prstGeom>
+          <a:noFill/>
+          <a:ln>
+            <a:solidFill>
+              <a:srgbClr val="FF0000"/>
+            </a:solidFill>
+          </a:ln>
+        </p:spPr>
+        <p:style>
+          <a:lnRef idx="2">
+            <a:schemeClr val="accent1">
+              <a:shade val="50000"/>
+            </a:schemeClr>
+          </a:lnRef>
+          <a:fillRef idx="1">
+            <a:schemeClr val="accent1"/>
+          </a:fillRef>
+          <a:effectRef idx="0">
+            <a:schemeClr val="accent1"/>
+          </a:effectRef>
+          <a:fontRef idx="minor">
+            <a:schemeClr val="lt1"/>
+          </a:fontRef>
+        </p:style>
+        <p:txBody>
+          <a:bodyPr rtlCol="0" anchor="ctr"/>
+          <a:lstStyle/>
+          <a:p>
+            <a:pPr algn="ctr"/>
+            <a:endParaRPr lang="en-GB">
+              <a:ln>
+                <a:solidFill>
+                  <a:srgbClr val="FF0000"/>
+                </a:solidFill>
+              </a:ln>
+              <a:noFill/>
+            </a:endParaRPr>
+          </a:p>
+        </p:txBody>
+      </p:sp>
+    </p:spTree>
+    <p:extLst>
+      <p:ext uri="{BB962C8B-B14F-4D97-AF65-F5344CB8AC3E}">
+        <p14:creationId xmlns:p14="http://schemas.microsoft.com/office/powerpoint/2010/main" val="1866194237"/>
+      </p:ext>
+    </p:extLst>
+  </p:cSld>
+  <p:clrMapOvr>
+    <a:masterClrMapping/>
+  </p:clrMapOvr>
+</p:sld>
+</file>
+
+<file path=ppt/slides/slide13.xml><?xml version="1.0" encoding="utf-8"?>
+<p:sld xmlns:a="http://schemas.openxmlformats.org/drawingml/2006/main" xmlns:r="http://schemas.openxmlformats.org/officeDocument/2006/relationships" xmlns:p="http://schemas.openxmlformats.org/presentationml/2006/main">
+  <p:cSld>
+    <p:spTree>
+      <p:nvGrpSpPr>
+        <p:cNvPr id="1" name=""/>
+        <p:cNvGrpSpPr/>
+        <p:nvPr/>
+      </p:nvGrpSpPr>
+      <p:grpSpPr>
+        <a:xfrm>
+          <a:off x="0" y="0"/>
+          <a:ext cx="0" cy="0"/>
+          <a:chOff x="0" y="0"/>
+          <a:chExt cx="0" cy="0"/>
+        </a:xfrm>
+      </p:grpSpPr>
+      <p:sp>
+        <p:nvSpPr>
+          <p:cNvPr id="2" name="Title 1">
+            <a:extLst>
+              <a:ext uri="{FF2B5EF4-FFF2-40B4-BE49-F238E27FC236}">
+                <a16:creationId xmlns:a16="http://schemas.microsoft.com/office/drawing/2014/main" id="{9CD3FCE3-CF52-4C1E-8750-7379E0607108}"/>
+              </a:ext>
+            </a:extLst>
+          </p:cNvPr>
+          <p:cNvSpPr>
+            <a:spLocks noGrp="1"/>
+          </p:cNvSpPr>
+          <p:nvPr>
+            <p:ph type="title"/>
+          </p:nvPr>
+        </p:nvSpPr>
+        <p:spPr>
+          <a:xfrm>
+            <a:off x="1295400" y="2686050"/>
+            <a:ext cx="9601200" cy="1485900"/>
+          </a:xfrm>
+        </p:spPr>
+        <p:txBody>
+          <a:bodyPr/>
+          <a:lstStyle/>
+          <a:p>
+            <a:pPr algn="ctr"/>
+            <a:r>
+              <a:rPr lang="en-GB" dirty="0"/>
+              <a:t>STEP 4</a:t>
+            </a:r>
+            <a:br>
+              <a:rPr lang="en-GB" dirty="0"/>
+            </a:br>
+            <a:r>
+              <a:rPr lang="en-GB" dirty="0" err="1"/>
+              <a:t>Movielens</a:t>
+            </a:r>
+            <a:r>
+              <a:rPr lang="en-GB" dirty="0"/>
+              <a:t> Analysis</a:t>
+            </a:r>
+          </a:p>
+        </p:txBody>
+      </p:sp>
+    </p:spTree>
+    <p:extLst>
+      <p:ext uri="{BB962C8B-B14F-4D97-AF65-F5344CB8AC3E}">
+        <p14:creationId xmlns:p14="http://schemas.microsoft.com/office/powerpoint/2010/main" val="327806727"/>
+      </p:ext>
+    </p:extLst>
+  </p:cSld>
+  <p:clrMapOvr>
+    <a:masterClrMapping/>
+  </p:clrMapOvr>
+</p:sld>
+</file>
+
 <file path=ppt/slides/slide2.xml><?xml version="1.0" encoding="utf-8"?>
 <p:sld xmlns:a="http://schemas.openxmlformats.org/drawingml/2006/main" xmlns:r="http://schemas.openxmlformats.org/officeDocument/2006/relationships" xmlns:p="http://schemas.openxmlformats.org/presentationml/2006/main">
   <p:cSld>
@@ -6484,7 +7186,9 @@
         </p:nvSpPr>
         <p:spPr/>
         <p:txBody>
-          <a:bodyPr/>
+          <a:bodyPr>
+            <a:normAutofit fontScale="92500" lnSpcReduction="10000"/>
+          </a:bodyPr>
           <a:lstStyle/>
           <a:p>
             <a:r>
@@ -6531,9 +7235,63 @@
               <a:t>movielens</a:t>
             </a:r>
             <a:r>
-              <a:rPr lang="en-GB"/>
+              <a:rPr lang="en-GB" dirty="0"/>
               <a:t>)</a:t>
             </a:r>
+          </a:p>
+          <a:p>
+            <a:r>
+              <a:rPr lang="en-GB" dirty="0"/>
+              <a:t>3 – Power BI and Azure ML</a:t>
+            </a:r>
+          </a:p>
+          <a:p>
+            <a:pPr lvl="1"/>
+            <a:r>
+              <a:rPr lang="en-GB" dirty="0"/>
+              <a:t>3.1 – Hive ODBC connection</a:t>
+            </a:r>
+          </a:p>
+          <a:p>
+            <a:pPr lvl="1"/>
+            <a:r>
+              <a:rPr lang="en-GB" dirty="0"/>
+              <a:t>3.2 – Azure ML connection</a:t>
+            </a:r>
+          </a:p>
+          <a:p>
+            <a:pPr lvl="1"/>
+            <a:r>
+              <a:rPr lang="en-GB" dirty="0"/>
+              <a:t>3.3 – Power BI </a:t>
+            </a:r>
+            <a:r>
+              <a:rPr lang="en-GB" dirty="0">
+                <a:sym typeface="Wingdings" panose="05000000000000000000" pitchFamily="2" charset="2"/>
+              </a:rPr>
+              <a:t></a:t>
+            </a:r>
+            <a:r>
+              <a:rPr lang="en-GB" dirty="0"/>
+              <a:t> Azure ML</a:t>
+            </a:r>
+          </a:p>
+          <a:p>
+            <a:r>
+              <a:rPr lang="en-GB" dirty="0"/>
+              <a:t>4 – </a:t>
+            </a:r>
+            <a:r>
+              <a:rPr lang="en-GB" dirty="0" err="1"/>
+              <a:t>Movielens</a:t>
+            </a:r>
+            <a:r>
+              <a:rPr lang="en-GB" dirty="0"/>
+              <a:t> analysis</a:t>
+            </a:r>
+          </a:p>
+          <a:p>
+            <a:pPr lvl="1"/>
             <a:endParaRPr lang="en-GB" dirty="0"/>
           </a:p>
         </p:txBody>
@@ -10483,6 +11241,77 @@
 </p:sld>
 </file>
 
+<file path=ppt/slides/slide9.xml><?xml version="1.0" encoding="utf-8"?>
+<p:sld xmlns:a="http://schemas.openxmlformats.org/drawingml/2006/main" xmlns:r="http://schemas.openxmlformats.org/officeDocument/2006/relationships" xmlns:p="http://schemas.openxmlformats.org/presentationml/2006/main">
+  <p:cSld>
+    <p:spTree>
+      <p:nvGrpSpPr>
+        <p:cNvPr id="1" name=""/>
+        <p:cNvGrpSpPr/>
+        <p:nvPr/>
+      </p:nvGrpSpPr>
+      <p:grpSpPr>
+        <a:xfrm>
+          <a:off x="0" y="0"/>
+          <a:ext cx="0" cy="0"/>
+          <a:chOff x="0" y="0"/>
+          <a:chExt cx="0" cy="0"/>
+        </a:xfrm>
+      </p:grpSpPr>
+      <p:sp>
+        <p:nvSpPr>
+          <p:cNvPr id="2" name="Title 1">
+            <a:extLst>
+              <a:ext uri="{FF2B5EF4-FFF2-40B4-BE49-F238E27FC236}">
+                <a16:creationId xmlns:a16="http://schemas.microsoft.com/office/drawing/2014/main" id="{9CD3FCE3-CF52-4C1E-8750-7379E0607108}"/>
+              </a:ext>
+            </a:extLst>
+          </p:cNvPr>
+          <p:cNvSpPr>
+            <a:spLocks noGrp="1"/>
+          </p:cNvSpPr>
+          <p:nvPr>
+            <p:ph type="title"/>
+          </p:nvPr>
+        </p:nvSpPr>
+        <p:spPr>
+          <a:xfrm>
+            <a:off x="1295400" y="2686050"/>
+            <a:ext cx="9601200" cy="1485900"/>
+          </a:xfrm>
+        </p:spPr>
+        <p:txBody>
+          <a:bodyPr/>
+          <a:lstStyle/>
+          <a:p>
+            <a:pPr algn="ctr"/>
+            <a:r>
+              <a:rPr lang="en-GB" dirty="0"/>
+              <a:t>STEP 3</a:t>
+            </a:r>
+            <a:br>
+              <a:rPr lang="en-GB" dirty="0"/>
+            </a:br>
+            <a:r>
+              <a:rPr lang="en-GB" dirty="0"/>
+              <a:t>Power BI and Azure ML</a:t>
+            </a:r>
+          </a:p>
+        </p:txBody>
+      </p:sp>
+    </p:spTree>
+    <p:extLst>
+      <p:ext uri="{BB962C8B-B14F-4D97-AF65-F5344CB8AC3E}">
+        <p14:creationId xmlns:p14="http://schemas.microsoft.com/office/powerpoint/2010/main" val="1465131854"/>
+      </p:ext>
+    </p:extLst>
+  </p:cSld>
+  <p:clrMapOvr>
+    <a:masterClrMapping/>
+  </p:clrMapOvr>
+</p:sld>
+</file>
+
 <file path=ppt/theme/theme1.xml><?xml version="1.0" encoding="utf-8"?>
 <a:theme xmlns:a="http://schemas.openxmlformats.org/drawingml/2006/main" name="Crop">
   <a:themeElements>
